--- a/Project Presentation.pptx
+++ b/Project Presentation.pptx
@@ -300,7 +300,7 @@
             <a:fld id="{EB721F77-95C5-4EF7-A02B-A15F823824C3}" type="datetimeFigureOut">
               <a:rPr lang="en-US" smtClean="0"/>
               <a:pPr/>
-              <a:t>11/5/2018</a:t>
+              <a:t>11/7/2018</a:t>
             </a:fld>
             <a:endParaRPr lang="en-US"/>
           </a:p>
@@ -467,7 +467,7 @@
             <a:fld id="{EB721F77-95C5-4EF7-A02B-A15F823824C3}" type="datetimeFigureOut">
               <a:rPr lang="en-US" smtClean="0"/>
               <a:pPr/>
-              <a:t>11/5/2018</a:t>
+              <a:t>11/7/2018</a:t>
             </a:fld>
             <a:endParaRPr lang="en-US"/>
           </a:p>
@@ -644,7 +644,7 @@
             <a:fld id="{EB721F77-95C5-4EF7-A02B-A15F823824C3}" type="datetimeFigureOut">
               <a:rPr lang="en-US" smtClean="0"/>
               <a:pPr/>
-              <a:t>11/5/2018</a:t>
+              <a:t>11/7/2018</a:t>
             </a:fld>
             <a:endParaRPr lang="en-US"/>
           </a:p>
@@ -811,7 +811,7 @@
             <a:fld id="{EB721F77-95C5-4EF7-A02B-A15F823824C3}" type="datetimeFigureOut">
               <a:rPr lang="en-US" smtClean="0"/>
               <a:pPr/>
-              <a:t>11/5/2018</a:t>
+              <a:t>11/7/2018</a:t>
             </a:fld>
             <a:endParaRPr lang="en-US"/>
           </a:p>
@@ -1054,7 +1054,7 @@
             <a:fld id="{EB721F77-95C5-4EF7-A02B-A15F823824C3}" type="datetimeFigureOut">
               <a:rPr lang="en-US" smtClean="0"/>
               <a:pPr/>
-              <a:t>11/5/2018</a:t>
+              <a:t>11/7/2018</a:t>
             </a:fld>
             <a:endParaRPr lang="en-US"/>
           </a:p>
@@ -1339,7 +1339,7 @@
             <a:fld id="{EB721F77-95C5-4EF7-A02B-A15F823824C3}" type="datetimeFigureOut">
               <a:rPr lang="en-US" smtClean="0"/>
               <a:pPr/>
-              <a:t>11/5/2018</a:t>
+              <a:t>11/7/2018</a:t>
             </a:fld>
             <a:endParaRPr lang="en-US"/>
           </a:p>
@@ -1758,7 +1758,7 @@
             <a:fld id="{EB721F77-95C5-4EF7-A02B-A15F823824C3}" type="datetimeFigureOut">
               <a:rPr lang="en-US" smtClean="0"/>
               <a:pPr/>
-              <a:t>11/5/2018</a:t>
+              <a:t>11/7/2018</a:t>
             </a:fld>
             <a:endParaRPr lang="en-US"/>
           </a:p>
@@ -1873,7 +1873,7 @@
             <a:fld id="{EB721F77-95C5-4EF7-A02B-A15F823824C3}" type="datetimeFigureOut">
               <a:rPr lang="en-US" smtClean="0"/>
               <a:pPr/>
-              <a:t>11/5/2018</a:t>
+              <a:t>11/7/2018</a:t>
             </a:fld>
             <a:endParaRPr lang="en-US"/>
           </a:p>
@@ -1965,7 +1965,7 @@
             <a:fld id="{EB721F77-95C5-4EF7-A02B-A15F823824C3}" type="datetimeFigureOut">
               <a:rPr lang="en-US" smtClean="0"/>
               <a:pPr/>
-              <a:t>11/5/2018</a:t>
+              <a:t>11/7/2018</a:t>
             </a:fld>
             <a:endParaRPr lang="en-US"/>
           </a:p>
@@ -2239,7 +2239,7 @@
             <a:fld id="{EB721F77-95C5-4EF7-A02B-A15F823824C3}" type="datetimeFigureOut">
               <a:rPr lang="en-US" smtClean="0"/>
               <a:pPr/>
-              <a:t>11/5/2018</a:t>
+              <a:t>11/7/2018</a:t>
             </a:fld>
             <a:endParaRPr lang="en-US"/>
           </a:p>
@@ -2489,7 +2489,7 @@
             <a:fld id="{EB721F77-95C5-4EF7-A02B-A15F823824C3}" type="datetimeFigureOut">
               <a:rPr lang="en-US" smtClean="0"/>
               <a:pPr/>
-              <a:t>11/5/2018</a:t>
+              <a:t>11/7/2018</a:t>
             </a:fld>
             <a:endParaRPr lang="en-US"/>
           </a:p>
@@ -2699,7 +2699,7 @@
             <a:fld id="{EB721F77-95C5-4EF7-A02B-A15F823824C3}" type="datetimeFigureOut">
               <a:rPr lang="en-US" smtClean="0"/>
               <a:pPr/>
-              <a:t>11/5/2018</a:t>
+              <a:t>11/7/2018</a:t>
             </a:fld>
             <a:endParaRPr lang="en-US"/>
           </a:p>
@@ -3356,15 +3356,7 @@
           <a:p>
             <a:r>
               <a:rPr lang="en-US" dirty="0" smtClean="0"/>
-              <a:t>Password Reset </a:t>
-            </a:r>
-            <a:r>
-              <a:rPr lang="en-US" dirty="0" smtClean="0"/>
-              <a:t> Terms </a:t>
-            </a:r>
-            <a:r>
-              <a:rPr lang="en-US" dirty="0" smtClean="0"/>
-              <a:t>&amp; condition</a:t>
+              <a:t>Password Reset  Terms &amp; condition</a:t>
             </a:r>
             <a:endParaRPr lang="en-US" dirty="0"/>
           </a:p>
